--- a/teamDefensePresentation/watchmenDefensePresentation.pptx
+++ b/teamDefensePresentation/watchmenDefensePresentation.pptx
@@ -243,7 +243,7 @@
   </p:defaultTextStyle>
   <p:extLst>
     <p:ext uri="{EFAFB233-063F-42B5-8137-9DF3F51BA10A}">
-      <p15:sldGuideLst xmlns:p15="http://schemas.microsoft.com/office/powerpoint/2012/main" xmlns=""/>
+      <p15:sldGuideLst xmlns="" xmlns:p15="http://schemas.microsoft.com/office/powerpoint/2012/main"/>
     </p:ext>
   </p:extLst>
 </p:presentation>
@@ -43900,7 +43900,6 @@
               <a:rPr lang="en-US" b="1" dirty="0"/>
               <a:t>"Watchmen"</a:t>
             </a:r>
-            <a:endParaRPr lang="en-US" b="1" dirty="0"/>
           </a:p>
         </p:txBody>
       </p:sp>
@@ -44449,67 +44448,7 @@
                 <a:cs typeface="Muli"/>
                 <a:sym typeface="Muli"/>
               </a:rPr>
-              <a:t>Register </a:t>
-            </a:r>
-            <a:r>
-              <a:rPr lang="en" dirty="0" smtClean="0">
-                <a:solidFill>
-                  <a:srgbClr val="00E1C6"/>
-                </a:solidFill>
-                <a:latin typeface="Muli"/>
-                <a:ea typeface="Muli"/>
-                <a:cs typeface="Muli"/>
-                <a:sym typeface="Muli"/>
-              </a:rPr>
-              <a:t>to </a:t>
-            </a:r>
-            <a:r>
-              <a:rPr lang="en" dirty="0" smtClean="0">
-                <a:solidFill>
-                  <a:srgbClr val="00E1C6"/>
-                </a:solidFill>
-                <a:latin typeface="Muli"/>
-                <a:ea typeface="Muli"/>
-                <a:cs typeface="Muli"/>
-                <a:sym typeface="Muli"/>
-              </a:rPr>
-              <a:t>have </a:t>
-            </a:r>
-            <a:r>
-              <a:rPr lang="en" dirty="0" smtClean="0">
-                <a:solidFill>
-                  <a:srgbClr val="00E1C6"/>
-                </a:solidFill>
-                <a:latin typeface="Muli"/>
-                <a:ea typeface="Muli"/>
-                <a:cs typeface="Muli"/>
-                <a:sym typeface="Muli"/>
-              </a:rPr>
-              <a:t>full access </a:t>
-            </a:r>
-            <a:r>
-              <a:rPr lang="en" dirty="0" smtClean="0">
-                <a:solidFill>
-                  <a:srgbClr val="00E1C6"/>
-                </a:solidFill>
-                <a:latin typeface="Muli"/>
-                <a:ea typeface="Muli"/>
-                <a:cs typeface="Muli"/>
-                <a:sym typeface="Muli"/>
-              </a:rPr>
-              <a:t>to </a:t>
-            </a:r>
-            <a:r>
-              <a:rPr lang="en" dirty="0" smtClean="0">
-                <a:solidFill>
-                  <a:srgbClr val="00E1C6"/>
-                </a:solidFill>
-                <a:latin typeface="Muli"/>
-                <a:ea typeface="Muli"/>
-                <a:cs typeface="Muli"/>
-                <a:sym typeface="Muli"/>
-              </a:rPr>
-              <a:t>the app</a:t>
+              <a:t>Register to have full access to the app</a:t>
             </a:r>
             <a:endParaRPr lang="en" dirty="0">
               <a:solidFill>
@@ -44644,15 +44583,6 @@
               </a:rPr>
               <a:t>Login to have access to your profile</a:t>
             </a:r>
-            <a:endParaRPr lang="en" dirty="0">
-              <a:solidFill>
-                <a:srgbClr val="00E1C6"/>
-              </a:solidFill>
-              <a:latin typeface="Muli"/>
-              <a:ea typeface="Muli"/>
-              <a:cs typeface="Muli"/>
-              <a:sym typeface="Muli"/>
-            </a:endParaRPr>
           </a:p>
         </p:txBody>
       </p:sp>
@@ -44999,7 +44929,6 @@
               <a:rPr lang="en-US" dirty="0" smtClean="0"/>
               <a:t>Used Handlebars</a:t>
             </a:r>
-            <a:endParaRPr lang="en-US" dirty="0" smtClean="0"/>
           </a:p>
           <a:p>
             <a:pPr marL="457200" indent="-228600"/>
@@ -45007,17 +44936,12 @@
               <a:rPr lang="en-US" dirty="0" smtClean="0"/>
               <a:t>Used Bootstrap</a:t>
             </a:r>
-            <a:endParaRPr lang="en-US" dirty="0" smtClean="0"/>
           </a:p>
           <a:p>
             <a:pPr marL="457200" indent="-228600"/>
             <a:r>
               <a:rPr lang="en-US" dirty="0" smtClean="0"/>
-              <a:t>Used </a:t>
-            </a:r>
-            <a:r>
-              <a:rPr lang="en-US" dirty="0" smtClean="0"/>
-              <a:t>Sammy.js</a:t>
+              <a:t>Used Sammy.js</a:t>
             </a:r>
             <a:endParaRPr lang="bg-BG" dirty="0" smtClean="0"/>
           </a:p>
@@ -45025,11 +44949,7 @@
             <a:pPr marL="457200" indent="-228600"/>
             <a:r>
               <a:rPr lang="en-US" dirty="0" smtClean="0"/>
-              <a:t>Used </a:t>
-            </a:r>
-            <a:r>
-              <a:rPr lang="en-US" dirty="0" smtClean="0"/>
-              <a:t>jQuery</a:t>
+              <a:t>Used jQuery</a:t>
             </a:r>
           </a:p>
           <a:p>
@@ -45038,7 +44958,6 @@
               <a:rPr lang="en-US" dirty="0" smtClean="0"/>
               <a:t>Used Mocha and Chai</a:t>
             </a:r>
-            <a:endParaRPr lang="en-US" dirty="0" smtClean="0"/>
           </a:p>
         </p:txBody>
       </p:sp>
@@ -45099,8 +45018,8 @@
         </p:blipFill>
         <p:spPr>
           <a:xfrm>
-            <a:off x="4818509" y="248966"/>
-            <a:ext cx="4325491" cy="1882969"/>
+            <a:off x="4870453" y="248966"/>
+            <a:ext cx="4221603" cy="1882969"/>
           </a:xfrm>
           <a:prstGeom prst="rect">
             <a:avLst/>
@@ -45201,29 +45120,19 @@
               <a:rPr lang="en-US" dirty="0" smtClean="0"/>
               <a:t>)</a:t>
             </a:r>
-            <a:endParaRPr lang="en-US" dirty="0" smtClean="0"/>
           </a:p>
           <a:p>
             <a:pPr marL="457200" indent="-228600"/>
             <a:r>
               <a:rPr lang="en-US" dirty="0" smtClean="0"/>
-              <a:t>Possible sharing to social </a:t>
+              <a:t>Possible sharing to social media</a:t>
             </a:r>
-            <a:r>
-              <a:rPr lang="en-US" dirty="0" smtClean="0"/>
-              <a:t>media</a:t>
-            </a:r>
-            <a:endParaRPr lang="en-US" dirty="0" smtClean="0"/>
           </a:p>
           <a:p>
             <a:pPr marL="457200" indent="-228600"/>
             <a:r>
               <a:rPr lang="en-US" dirty="0" smtClean="0"/>
-              <a:t>Used </a:t>
-            </a:r>
-            <a:r>
-              <a:rPr lang="en-US" dirty="0" smtClean="0"/>
-              <a:t>GIT </a:t>
+              <a:t>Used GIT </a:t>
             </a:r>
           </a:p>
           <a:p>

--- a/teamDefensePresentation/watchmenDefensePresentation.pptx
+++ b/teamDefensePresentation/watchmenDefensePresentation.pptx
@@ -21,13 +21,13 @@
   <p:notesSz cx="6858000" cy="9144000"/>
   <p:embeddedFontLst>
     <p:embeddedFont>
-      <p:font typeface="Muli" panose="020B0604020202020204" charset="0"/>
+      <p:font typeface="Nixie One" panose="020B0604020202020204" charset="0"/>
       <p:regular r:id="rId11"/>
-      <p:italic r:id="rId12"/>
     </p:embeddedFont>
     <p:embeddedFont>
-      <p:font typeface="Nixie One" panose="020B0604020202020204" charset="0"/>
-      <p:regular r:id="rId13"/>
+      <p:font typeface="Muli" panose="020B0604020202020204" charset="0"/>
+      <p:regular r:id="rId12"/>
+      <p:italic r:id="rId13"/>
     </p:embeddedFont>
   </p:embeddedFontLst>
   <p:defaultTextStyle>
@@ -45156,17 +45156,40 @@
             </a:r>
             <a:r>
               <a:rPr lang="en-US" dirty="0" smtClean="0"/>
-              <a:t>    http</a:t>
+              <a:t>    </a:t>
             </a:r>
             <a:r>
-              <a:rPr lang="en-US" dirty="0"/>
+              <a:rPr lang="en-US" dirty="0" smtClean="0">
+                <a:solidFill>
+                  <a:srgbClr val="FF0000"/>
+                </a:solidFill>
+                <a:hlinkClick r:id="rId4"/>
+              </a:rPr>
+              <a:t>http</a:t>
+            </a:r>
+            <a:r>
+              <a:rPr lang="en-US" dirty="0">
+                <a:solidFill>
+                  <a:srgbClr val="FF0000"/>
+                </a:solidFill>
+                <a:hlinkClick r:id="rId4"/>
+              </a:rPr>
               <a:t>://team-watchmen.herokuapp.com</a:t>
             </a:r>
             <a:r>
-              <a:rPr lang="en-US" dirty="0" smtClean="0"/>
+              <a:rPr lang="en-US" dirty="0" smtClean="0">
+                <a:solidFill>
+                  <a:srgbClr val="FF0000"/>
+                </a:solidFill>
+                <a:hlinkClick r:id="rId4"/>
+              </a:rPr>
               <a:t>/#/</a:t>
             </a:r>
-            <a:endParaRPr lang="en-US" dirty="0"/>
+            <a:endParaRPr lang="en-US" dirty="0">
+              <a:solidFill>
+                <a:srgbClr val="FF0000"/>
+              </a:solidFill>
+            </a:endParaRPr>
           </a:p>
           <a:p>
             <a:pPr marL="228600">
